--- a/thumbnails.pptx
+++ b/thumbnails.pptx
@@ -264,7 +264,7 @@
           <a:p>
             <a:fld id="{AA77309D-6964-44F7-B488-709DF95B4B43}" type="datetimeFigureOut">
               <a:rPr lang="en-MY" smtClean="0"/>
-              <a:t>10/9/2020</a:t>
+              <a:t>11/9/2020</a:t>
             </a:fld>
             <a:endParaRPr lang="en-MY"/>
           </a:p>
@@ -464,7 +464,7 @@
           <a:p>
             <a:fld id="{AA77309D-6964-44F7-B488-709DF95B4B43}" type="datetimeFigureOut">
               <a:rPr lang="en-MY" smtClean="0"/>
-              <a:t>10/9/2020</a:t>
+              <a:t>11/9/2020</a:t>
             </a:fld>
             <a:endParaRPr lang="en-MY"/>
           </a:p>
@@ -674,7 +674,7 @@
           <a:p>
             <a:fld id="{AA77309D-6964-44F7-B488-709DF95B4B43}" type="datetimeFigureOut">
               <a:rPr lang="en-MY" smtClean="0"/>
-              <a:t>10/9/2020</a:t>
+              <a:t>11/9/2020</a:t>
             </a:fld>
             <a:endParaRPr lang="en-MY"/>
           </a:p>
@@ -874,7 +874,7 @@
           <a:p>
             <a:fld id="{AA77309D-6964-44F7-B488-709DF95B4B43}" type="datetimeFigureOut">
               <a:rPr lang="en-MY" smtClean="0"/>
-              <a:t>10/9/2020</a:t>
+              <a:t>11/9/2020</a:t>
             </a:fld>
             <a:endParaRPr lang="en-MY"/>
           </a:p>
@@ -1150,7 +1150,7 @@
           <a:p>
             <a:fld id="{AA77309D-6964-44F7-B488-709DF95B4B43}" type="datetimeFigureOut">
               <a:rPr lang="en-MY" smtClean="0"/>
-              <a:t>10/9/2020</a:t>
+              <a:t>11/9/2020</a:t>
             </a:fld>
             <a:endParaRPr lang="en-MY"/>
           </a:p>
@@ -1418,7 +1418,7 @@
           <a:p>
             <a:fld id="{AA77309D-6964-44F7-B488-709DF95B4B43}" type="datetimeFigureOut">
               <a:rPr lang="en-MY" smtClean="0"/>
-              <a:t>10/9/2020</a:t>
+              <a:t>11/9/2020</a:t>
             </a:fld>
             <a:endParaRPr lang="en-MY"/>
           </a:p>
@@ -1833,7 +1833,7 @@
           <a:p>
             <a:fld id="{AA77309D-6964-44F7-B488-709DF95B4B43}" type="datetimeFigureOut">
               <a:rPr lang="en-MY" smtClean="0"/>
-              <a:t>10/9/2020</a:t>
+              <a:t>11/9/2020</a:t>
             </a:fld>
             <a:endParaRPr lang="en-MY"/>
           </a:p>
@@ -1975,7 +1975,7 @@
           <a:p>
             <a:fld id="{AA77309D-6964-44F7-B488-709DF95B4B43}" type="datetimeFigureOut">
               <a:rPr lang="en-MY" smtClean="0"/>
-              <a:t>10/9/2020</a:t>
+              <a:t>11/9/2020</a:t>
             </a:fld>
             <a:endParaRPr lang="en-MY"/>
           </a:p>
@@ -2088,7 +2088,7 @@
           <a:p>
             <a:fld id="{AA77309D-6964-44F7-B488-709DF95B4B43}" type="datetimeFigureOut">
               <a:rPr lang="en-MY" smtClean="0"/>
-              <a:t>10/9/2020</a:t>
+              <a:t>11/9/2020</a:t>
             </a:fld>
             <a:endParaRPr lang="en-MY"/>
           </a:p>
@@ -2401,7 +2401,7 @@
           <a:p>
             <a:fld id="{AA77309D-6964-44F7-B488-709DF95B4B43}" type="datetimeFigureOut">
               <a:rPr lang="en-MY" smtClean="0"/>
-              <a:t>10/9/2020</a:t>
+              <a:t>11/9/2020</a:t>
             </a:fld>
             <a:endParaRPr lang="en-MY"/>
           </a:p>
@@ -2690,7 +2690,7 @@
           <a:p>
             <a:fld id="{AA77309D-6964-44F7-B488-709DF95B4B43}" type="datetimeFigureOut">
               <a:rPr lang="en-MY" smtClean="0"/>
-              <a:t>10/9/2020</a:t>
+              <a:t>11/9/2020</a:t>
             </a:fld>
             <a:endParaRPr lang="en-MY"/>
           </a:p>
@@ -2767,9 +2767,14 @@
 <p:sldMaster xmlns:a="http://schemas.openxmlformats.org/drawingml/2006/main" xmlns:r="http://schemas.openxmlformats.org/officeDocument/2006/relationships" xmlns:p="http://schemas.openxmlformats.org/presentationml/2006/main">
   <p:cSld>
     <p:bg>
-      <p:bgRef idx="1001">
-        <a:schemeClr val="bg1"/>
-      </p:bgRef>
+      <p:bgPr>
+        <a:solidFill>
+          <a:schemeClr val="bg1">
+            <a:lumMod val="95000"/>
+          </a:schemeClr>
+        </a:solidFill>
+        <a:effectLst/>
+      </p:bgPr>
     </p:bg>
     <p:spTree>
       <p:nvGrpSpPr>
@@ -2933,7 +2938,7 @@
           <a:p>
             <a:fld id="{AA77309D-6964-44F7-B488-709DF95B4B43}" type="datetimeFigureOut">
               <a:rPr lang="en-MY" smtClean="0"/>
-              <a:t>10/9/2020</a:t>
+              <a:t>11/9/2020</a:t>
             </a:fld>
             <a:endParaRPr lang="en-MY"/>
           </a:p>
@@ -13986,10 +13991,10 @@
       </p:grpSpPr>
       <p:grpSp>
         <p:nvGrpSpPr>
-          <p:cNvPr id="22" name="Group 21">
+          <p:cNvPr id="3" name="Group 2">
             <a:extLst>
               <a:ext uri="{FF2B5EF4-FFF2-40B4-BE49-F238E27FC236}">
-                <a16:creationId xmlns:a16="http://schemas.microsoft.com/office/drawing/2014/main" id="{B8D7105B-75C2-4F3E-BBB1-3D49B0E353F3}"/>
+                <a16:creationId xmlns:a16="http://schemas.microsoft.com/office/drawing/2014/main" id="{37E52AE1-6A37-4657-9C5A-80D9B18E677C}"/>
               </a:ext>
             </a:extLst>
           </p:cNvPr>
@@ -13998,18 +14003,18 @@
         </p:nvGrpSpPr>
         <p:grpSpPr>
           <a:xfrm>
-            <a:off x="1280160" y="-421640"/>
-            <a:ext cx="9631680" cy="7701280"/>
-            <a:chOff x="1280160" y="-421640"/>
-            <a:chExt cx="9631680" cy="7701280"/>
+            <a:off x="1280160" y="208280"/>
+            <a:ext cx="9631680" cy="5181600"/>
+            <a:chOff x="1280160" y="208280"/>
+            <a:chExt cx="9631680" cy="5181600"/>
           </a:xfrm>
         </p:grpSpPr>
         <p:sp>
           <p:nvSpPr>
-            <p:cNvPr id="21" name="Rectangle 20">
+            <p:cNvPr id="11" name="Rectangle 10">
               <a:extLst>
                 <a:ext uri="{FF2B5EF4-FFF2-40B4-BE49-F238E27FC236}">
-                  <a16:creationId xmlns:a16="http://schemas.microsoft.com/office/drawing/2014/main" id="{CCFD83C0-27C4-4137-9F53-B419CA41E333}"/>
+                  <a16:creationId xmlns:a16="http://schemas.microsoft.com/office/drawing/2014/main" id="{2371A148-0D00-431A-970A-7F8A83A8FCD7}"/>
                 </a:ext>
               </a:extLst>
             </p:cNvPr>
@@ -14018,8 +14023,8 @@
           </p:nvSpPr>
           <p:spPr>
             <a:xfrm>
-              <a:off x="1280160" y="-421640"/>
-              <a:ext cx="9631680" cy="7701280"/>
+              <a:off x="1280160" y="208280"/>
+              <a:ext cx="9631680" cy="5181600"/>
             </a:xfrm>
             <a:prstGeom prst="rect">
               <a:avLst/>
@@ -14070,8 +14075,8 @@
           </p:nvGrpSpPr>
           <p:grpSpPr>
             <a:xfrm>
-              <a:off x="2631921" y="167640"/>
-              <a:ext cx="6928159" cy="6522720"/>
+              <a:off x="3586480" y="436418"/>
+              <a:ext cx="5019040" cy="4725324"/>
               <a:chOff x="2453741" y="333363"/>
               <a:chExt cx="6928159" cy="6522720"/>
             </a:xfrm>
